--- a/Park_Yihang/20230913 presntation_YHP.pptx
+++ b/Park_Yihang/20230913 presntation_YHP.pptx
@@ -107,6 +107,11 @@
       </a:defRPr>
     </a:lvl9pPr>
   </p:defaultTextStyle>
+  <p:extLst>
+    <p:ext uri="{EFAFB233-063F-42B5-8137-9DF3F51BA10A}">
+      <p15:sldGuideLst xmlns:p15="http://schemas.microsoft.com/office/powerpoint/2012/main"/>
+    </p:ext>
+  </p:extLst>
 </p:presentation>
 </file>
 
@@ -3625,7 +3630,7 @@
         <p:spPr>
           <a:xfrm>
             <a:off x="387646" y="408061"/>
-            <a:ext cx="8726043" cy="830997"/>
+            <a:ext cx="6165470" cy="830997"/>
           </a:xfrm>
           <a:prstGeom prst="rect">
             <a:avLst/>
@@ -3651,7 +3656,7 @@
             </a:r>
             <a:r>
               <a:rPr lang="en-US" altLang="ko-KR" sz="2000" b="1"/>
-              <a:t> yr Ph.D student in the Hebets Lab @ School of Biological Sciences</a:t>
+              <a:t> yr Ph.D student in the Hebets Lab @ SBS EEB</a:t>
             </a:r>
             <a:endParaRPr lang="ko-KR" altLang="en-US" sz="2000" b="1"/>
           </a:p>
